--- a/TGIF/FirstRound/TGIP_June6.pptx
+++ b/TGIF/FirstRound/TGIP_June6.pptx
@@ -255,7 +255,7 @@
           <a:p>
             <a:fld id="{50CA9DAE-2171-4169-B9E2-ADAA0466AD40}" type="datetimeFigureOut">
               <a:rPr lang="zh-CN" altLang="en-US" smtClean="0"/>
-              <a:t>2018/6/8</a:t>
+              <a:t>2018/12/4</a:t>
             </a:fld>
             <a:endParaRPr lang="zh-CN" altLang="en-US"/>
           </a:p>
@@ -425,7 +425,7 @@
           <a:p>
             <a:fld id="{50CA9DAE-2171-4169-B9E2-ADAA0466AD40}" type="datetimeFigureOut">
               <a:rPr lang="zh-CN" altLang="en-US" smtClean="0"/>
-              <a:t>2018/6/8</a:t>
+              <a:t>2018/12/4</a:t>
             </a:fld>
             <a:endParaRPr lang="zh-CN" altLang="en-US"/>
           </a:p>
@@ -605,7 +605,7 @@
           <a:p>
             <a:fld id="{50CA9DAE-2171-4169-B9E2-ADAA0466AD40}" type="datetimeFigureOut">
               <a:rPr lang="zh-CN" altLang="en-US" smtClean="0"/>
-              <a:t>2018/6/8</a:t>
+              <a:t>2018/12/4</a:t>
             </a:fld>
             <a:endParaRPr lang="zh-CN" altLang="en-US"/>
           </a:p>
@@ -775,7 +775,7 @@
           <a:p>
             <a:fld id="{50CA9DAE-2171-4169-B9E2-ADAA0466AD40}" type="datetimeFigureOut">
               <a:rPr lang="zh-CN" altLang="en-US" smtClean="0"/>
-              <a:t>2018/6/8</a:t>
+              <a:t>2018/12/4</a:t>
             </a:fld>
             <a:endParaRPr lang="zh-CN" altLang="en-US"/>
           </a:p>
@@ -1021,7 +1021,7 @@
           <a:p>
             <a:fld id="{50CA9DAE-2171-4169-B9E2-ADAA0466AD40}" type="datetimeFigureOut">
               <a:rPr lang="zh-CN" altLang="en-US" smtClean="0"/>
-              <a:t>2018/6/8</a:t>
+              <a:t>2018/12/4</a:t>
             </a:fld>
             <a:endParaRPr lang="zh-CN" altLang="en-US"/>
           </a:p>
@@ -1253,7 +1253,7 @@
           <a:p>
             <a:fld id="{50CA9DAE-2171-4169-B9E2-ADAA0466AD40}" type="datetimeFigureOut">
               <a:rPr lang="zh-CN" altLang="en-US" smtClean="0"/>
-              <a:t>2018/6/8</a:t>
+              <a:t>2018/12/4</a:t>
             </a:fld>
             <a:endParaRPr lang="zh-CN" altLang="en-US"/>
           </a:p>
@@ -1620,7 +1620,7 @@
           <a:p>
             <a:fld id="{50CA9DAE-2171-4169-B9E2-ADAA0466AD40}" type="datetimeFigureOut">
               <a:rPr lang="zh-CN" altLang="en-US" smtClean="0"/>
-              <a:t>2018/6/8</a:t>
+              <a:t>2018/12/4</a:t>
             </a:fld>
             <a:endParaRPr lang="zh-CN" altLang="en-US"/>
           </a:p>
@@ -1738,7 +1738,7 @@
           <a:p>
             <a:fld id="{50CA9DAE-2171-4169-B9E2-ADAA0466AD40}" type="datetimeFigureOut">
               <a:rPr lang="zh-CN" altLang="en-US" smtClean="0"/>
-              <a:t>2018/6/8</a:t>
+              <a:t>2018/12/4</a:t>
             </a:fld>
             <a:endParaRPr lang="zh-CN" altLang="en-US"/>
           </a:p>
@@ -1833,7 +1833,7 @@
           <a:p>
             <a:fld id="{50CA9DAE-2171-4169-B9E2-ADAA0466AD40}" type="datetimeFigureOut">
               <a:rPr lang="zh-CN" altLang="en-US" smtClean="0"/>
-              <a:t>2018/6/8</a:t>
+              <a:t>2018/12/4</a:t>
             </a:fld>
             <a:endParaRPr lang="zh-CN" altLang="en-US"/>
           </a:p>
@@ -2110,7 +2110,7 @@
           <a:p>
             <a:fld id="{50CA9DAE-2171-4169-B9E2-ADAA0466AD40}" type="datetimeFigureOut">
               <a:rPr lang="zh-CN" altLang="en-US" smtClean="0"/>
-              <a:t>2018/6/8</a:t>
+              <a:t>2018/12/4</a:t>
             </a:fld>
             <a:endParaRPr lang="zh-CN" altLang="en-US"/>
           </a:p>
@@ -2363,7 +2363,7 @@
           <a:p>
             <a:fld id="{50CA9DAE-2171-4169-B9E2-ADAA0466AD40}" type="datetimeFigureOut">
               <a:rPr lang="zh-CN" altLang="en-US" smtClean="0"/>
-              <a:t>2018/6/8</a:t>
+              <a:t>2018/12/4</a:t>
             </a:fld>
             <a:endParaRPr lang="zh-CN" altLang="en-US"/>
           </a:p>
@@ -2576,7 +2576,7 @@
           <a:p>
             <a:fld id="{50CA9DAE-2171-4169-B9E2-ADAA0466AD40}" type="datetimeFigureOut">
               <a:rPr lang="zh-CN" altLang="en-US" smtClean="0"/>
-              <a:t>2018/6/8</a:t>
+              <a:t>2018/12/4</a:t>
             </a:fld>
             <a:endParaRPr lang="zh-CN" altLang="en-US"/>
           </a:p>
@@ -4022,7 +4022,15 @@
           <a:p>
             <a:r>
               <a:rPr lang="zh-CN" altLang="en-US" dirty="0" smtClean="0"/>
-              <a:t>所有规则解释凤娇，请大家配合演出，嘻嘻</a:t>
+              <a:t>所有</a:t>
+            </a:r>
+            <a:r>
+              <a:rPr lang="zh-CN" altLang="en-US" dirty="0" smtClean="0"/>
+              <a:t>规则由解释</a:t>
+            </a:r>
+            <a:r>
+              <a:rPr lang="zh-CN" altLang="en-US" dirty="0" smtClean="0"/>
+              <a:t>凤娇，请大家配合演出，嘻嘻</a:t>
             </a:r>
             <a:endParaRPr lang="zh-CN" altLang="en-US" dirty="0"/>
           </a:p>
